--- a/week_11/EDA Presentation and proposed modeling technique.pptx
+++ b/week_11/EDA Presentation and proposed modeling technique.pptx
@@ -9,14 +9,15 @@
     <p:sldId id="257" r:id="rId3"/>
     <p:sldId id="258" r:id="rId4"/>
     <p:sldId id="259" r:id="rId5"/>
-    <p:sldId id="260" r:id="rId6"/>
-    <p:sldId id="261" r:id="rId7"/>
-    <p:sldId id="262" r:id="rId8"/>
-    <p:sldId id="264" r:id="rId9"/>
-    <p:sldId id="265" r:id="rId10"/>
-    <p:sldId id="266" r:id="rId11"/>
-    <p:sldId id="263" r:id="rId12"/>
-    <p:sldId id="267" r:id="rId13"/>
+    <p:sldId id="268" r:id="rId6"/>
+    <p:sldId id="260" r:id="rId7"/>
+    <p:sldId id="261" r:id="rId8"/>
+    <p:sldId id="262" r:id="rId9"/>
+    <p:sldId id="264" r:id="rId10"/>
+    <p:sldId id="265" r:id="rId11"/>
+    <p:sldId id="266" r:id="rId12"/>
+    <p:sldId id="263" r:id="rId13"/>
+    <p:sldId id="267" r:id="rId14"/>
   </p:sldIdLst>
   <p:sldSz cx="12192000" cy="6858000"/>
   <p:notesSz cx="6858000" cy="9144000"/>
@@ -270,7 +271,7 @@
           <a:p>
             <a:fld id="{C11A1946-1A35-734B-99C7-FDE23EB664C3}" type="datetimeFigureOut">
               <a:rPr lang="en-US" smtClean="0"/>
-              <a:t>9/20/23</a:t>
+              <a:t>9/21/23</a:t>
             </a:fld>
             <a:endParaRPr lang="en-US"/>
           </a:p>
@@ -468,7 +469,7 @@
           <a:p>
             <a:fld id="{C11A1946-1A35-734B-99C7-FDE23EB664C3}" type="datetimeFigureOut">
               <a:rPr lang="en-US" smtClean="0"/>
-              <a:t>9/20/23</a:t>
+              <a:t>9/21/23</a:t>
             </a:fld>
             <a:endParaRPr lang="en-US"/>
           </a:p>
@@ -676,7 +677,7 @@
           <a:p>
             <a:fld id="{C11A1946-1A35-734B-99C7-FDE23EB664C3}" type="datetimeFigureOut">
               <a:rPr lang="en-US" smtClean="0"/>
-              <a:t>9/20/23</a:t>
+              <a:t>9/21/23</a:t>
             </a:fld>
             <a:endParaRPr lang="en-US"/>
           </a:p>
@@ -874,7 +875,7 @@
           <a:p>
             <a:fld id="{C11A1946-1A35-734B-99C7-FDE23EB664C3}" type="datetimeFigureOut">
               <a:rPr lang="en-US" smtClean="0"/>
-              <a:t>9/20/23</a:t>
+              <a:t>9/21/23</a:t>
             </a:fld>
             <a:endParaRPr lang="en-US"/>
           </a:p>
@@ -1149,7 +1150,7 @@
           <a:p>
             <a:fld id="{C11A1946-1A35-734B-99C7-FDE23EB664C3}" type="datetimeFigureOut">
               <a:rPr lang="en-US" smtClean="0"/>
-              <a:t>9/20/23</a:t>
+              <a:t>9/21/23</a:t>
             </a:fld>
             <a:endParaRPr lang="en-US"/>
           </a:p>
@@ -1414,7 +1415,7 @@
           <a:p>
             <a:fld id="{C11A1946-1A35-734B-99C7-FDE23EB664C3}" type="datetimeFigureOut">
               <a:rPr lang="en-US" smtClean="0"/>
-              <a:t>9/20/23</a:t>
+              <a:t>9/21/23</a:t>
             </a:fld>
             <a:endParaRPr lang="en-US"/>
           </a:p>
@@ -1826,7 +1827,7 @@
           <a:p>
             <a:fld id="{C11A1946-1A35-734B-99C7-FDE23EB664C3}" type="datetimeFigureOut">
               <a:rPr lang="en-US" smtClean="0"/>
-              <a:t>9/20/23</a:t>
+              <a:t>9/21/23</a:t>
             </a:fld>
             <a:endParaRPr lang="en-US"/>
           </a:p>
@@ -1967,7 +1968,7 @@
           <a:p>
             <a:fld id="{C11A1946-1A35-734B-99C7-FDE23EB664C3}" type="datetimeFigureOut">
               <a:rPr lang="en-US" smtClean="0"/>
-              <a:t>9/20/23</a:t>
+              <a:t>9/21/23</a:t>
             </a:fld>
             <a:endParaRPr lang="en-US"/>
           </a:p>
@@ -2080,7 +2081,7 @@
           <a:p>
             <a:fld id="{C11A1946-1A35-734B-99C7-FDE23EB664C3}" type="datetimeFigureOut">
               <a:rPr lang="en-US" smtClean="0"/>
-              <a:t>9/20/23</a:t>
+              <a:t>9/21/23</a:t>
             </a:fld>
             <a:endParaRPr lang="en-US"/>
           </a:p>
@@ -2391,7 +2392,7 @@
           <a:p>
             <a:fld id="{C11A1946-1A35-734B-99C7-FDE23EB664C3}" type="datetimeFigureOut">
               <a:rPr lang="en-US" smtClean="0"/>
-              <a:t>9/20/23</a:t>
+              <a:t>9/21/23</a:t>
             </a:fld>
             <a:endParaRPr lang="en-US"/>
           </a:p>
@@ -2679,7 +2680,7 @@
           <a:p>
             <a:fld id="{C11A1946-1A35-734B-99C7-FDE23EB664C3}" type="datetimeFigureOut">
               <a:rPr lang="en-US" smtClean="0"/>
-              <a:t>9/20/23</a:t>
+              <a:t>9/21/23</a:t>
             </a:fld>
             <a:endParaRPr lang="en-US"/>
           </a:p>
@@ -2920,7 +2921,7 @@
           <a:p>
             <a:fld id="{C11A1946-1A35-734B-99C7-FDE23EB664C3}" type="datetimeFigureOut">
               <a:rPr lang="en-US" smtClean="0"/>
-              <a:t>9/20/23</a:t>
+              <a:t>9/21/23</a:t>
             </a:fld>
             <a:endParaRPr lang="en-US"/>
           </a:p>
@@ -3384,8 +3385,8 @@
         </p:nvSpPr>
         <p:spPr>
           <a:xfrm>
-            <a:off x="10314432" y="5876544"/>
-            <a:ext cx="1112677" cy="369332"/>
+            <a:off x="9228582" y="5976557"/>
+            <a:ext cx="2694840" cy="369332"/>
           </a:xfrm>
           <a:prstGeom prst="rect">
             <a:avLst/>
@@ -3400,7 +3401,7 @@
           <a:p>
             <a:r>
               <a:rPr lang="en-US" dirty="0"/>
-              <a:t> Data Duo</a:t>
+              <a:t>Week-11 EDA Presentation</a:t>
             </a:r>
           </a:p>
         </p:txBody>
@@ -3440,6 +3441,151 @@
           <p:cNvPr id="2" name="Title 1">
             <a:extLst>
               <a:ext uri="{FF2B5EF4-FFF2-40B4-BE49-F238E27FC236}">
+                <a16:creationId xmlns:a16="http://schemas.microsoft.com/office/drawing/2014/main" id="{C3BD0294-2555-D920-3025-9536AB030786}"/>
+              </a:ext>
+            </a:extLst>
+          </p:cNvPr>
+          <p:cNvSpPr>
+            <a:spLocks noGrp="1"/>
+          </p:cNvSpPr>
+          <p:nvPr>
+            <p:ph type="title"/>
+          </p:nvPr>
+        </p:nvSpPr>
+        <p:spPr>
+          <a:xfrm>
+            <a:off x="838200" y="5037138"/>
+            <a:ext cx="10515600" cy="992188"/>
+          </a:xfrm>
+        </p:spPr>
+        <p:txBody>
+          <a:bodyPr>
+            <a:normAutofit/>
+          </a:bodyPr>
+          <a:lstStyle/>
+          <a:p>
+            <a:r>
+              <a:rPr lang="en-US" sz="2400" dirty="0">
+                <a:latin typeface="+mn-lt"/>
+              </a:rPr>
+              <a:t>Observations: Married people are more influenced and eager to subscribe.</a:t>
+            </a:r>
+            <a:br>
+              <a:rPr lang="en-US" sz="2400" dirty="0">
+                <a:latin typeface="+mn-lt"/>
+              </a:rPr>
+            </a:br>
+            <a:r>
+              <a:rPr lang="en-US" sz="2400" dirty="0">
+                <a:latin typeface="+mn-lt"/>
+              </a:rPr>
+              <a:t>Here, Unknown is less relevant. Hence, we can ignore it.</a:t>
+            </a:r>
+          </a:p>
+        </p:txBody>
+      </p:sp>
+      <p:pic>
+        <p:nvPicPr>
+          <p:cNvPr id="7" name="Content Placeholder 6">
+            <a:extLst>
+              <a:ext uri="{FF2B5EF4-FFF2-40B4-BE49-F238E27FC236}">
+                <a16:creationId xmlns:a16="http://schemas.microsoft.com/office/drawing/2014/main" id="{5B230241-884F-4E3B-0571-595ED4A9BED2}"/>
+              </a:ext>
+            </a:extLst>
+          </p:cNvPr>
+          <p:cNvPicPr>
+            <a:picLocks noGrp="1" noChangeAspect="1"/>
+          </p:cNvPicPr>
+          <p:nvPr>
+            <p:ph idx="1"/>
+          </p:nvPr>
+        </p:nvPicPr>
+        <p:blipFill>
+          <a:blip r:embed="rId2"/>
+          <a:stretch>
+            <a:fillRect/>
+          </a:stretch>
+        </p:blipFill>
+        <p:spPr>
+          <a:xfrm>
+            <a:off x="566738" y="1384596"/>
+            <a:ext cx="10515600" cy="3652542"/>
+          </a:xfrm>
+          <a:prstGeom prst="rect">
+            <a:avLst/>
+          </a:prstGeom>
+        </p:spPr>
+      </p:pic>
+      <p:sp>
+        <p:nvSpPr>
+          <p:cNvPr id="9" name="TextBox 8">
+            <a:extLst>
+              <a:ext uri="{FF2B5EF4-FFF2-40B4-BE49-F238E27FC236}">
+                <a16:creationId xmlns:a16="http://schemas.microsoft.com/office/drawing/2014/main" id="{63A4B925-F8BC-C047-AFD9-39CA7CEC55BC}"/>
+              </a:ext>
+            </a:extLst>
+          </p:cNvPr>
+          <p:cNvSpPr txBox="1"/>
+          <p:nvPr/>
+        </p:nvSpPr>
+        <p:spPr>
+          <a:xfrm>
+            <a:off x="2741290" y="392408"/>
+            <a:ext cx="6166496" cy="584775"/>
+          </a:xfrm>
+          <a:prstGeom prst="rect">
+            <a:avLst/>
+          </a:prstGeom>
+          <a:noFill/>
+        </p:spPr>
+        <p:txBody>
+          <a:bodyPr wrap="none" rtlCol="0">
+            <a:spAutoFit/>
+          </a:bodyPr>
+          <a:lstStyle/>
+          <a:p>
+            <a:r>
+              <a:rPr lang="en-US" sz="3200" dirty="0"/>
+              <a:t>Distribution based on Marital status</a:t>
+            </a:r>
+          </a:p>
+        </p:txBody>
+      </p:sp>
+    </p:spTree>
+    <p:extLst>
+      <p:ext uri="{BB962C8B-B14F-4D97-AF65-F5344CB8AC3E}">
+        <p14:creationId xmlns:p14="http://schemas.microsoft.com/office/powerpoint/2010/main" val="2303095266"/>
+      </p:ext>
+    </p:extLst>
+  </p:cSld>
+  <p:clrMapOvr>
+    <a:masterClrMapping/>
+  </p:clrMapOvr>
+</p:sld>
+</file>
+
+<file path=ppt/slides/slide11.xml><?xml version="1.0" encoding="utf-8"?>
+<p:sld xmlns:a="http://schemas.openxmlformats.org/drawingml/2006/main" xmlns:r="http://schemas.openxmlformats.org/officeDocument/2006/relationships" xmlns:p="http://schemas.openxmlformats.org/presentationml/2006/main">
+  <p:cSld>
+    <p:spTree>
+      <p:nvGrpSpPr>
+        <p:cNvPr id="1" name=""/>
+        <p:cNvGrpSpPr/>
+        <p:nvPr/>
+      </p:nvGrpSpPr>
+      <p:grpSpPr>
+        <a:xfrm>
+          <a:off x="0" y="0"/>
+          <a:ext cx="0" cy="0"/>
+          <a:chOff x="0" y="0"/>
+          <a:chExt cx="0" cy="0"/>
+        </a:xfrm>
+      </p:grpSpPr>
+      <p:sp>
+        <p:nvSpPr>
+          <p:cNvPr id="2" name="Title 1">
+            <a:extLst>
+              <a:ext uri="{FF2B5EF4-FFF2-40B4-BE49-F238E27FC236}">
                 <a16:creationId xmlns:a16="http://schemas.microsoft.com/office/drawing/2014/main" id="{6EF45945-D05C-D00E-A3E1-ACB89468576C}"/>
               </a:ext>
             </a:extLst>
@@ -3549,7 +3695,7 @@
 </p:sld>
 </file>
 
-<file path=ppt/slides/slide11.xml><?xml version="1.0" encoding="utf-8"?>
+<file path=ppt/slides/slide12.xml><?xml version="1.0" encoding="utf-8"?>
 <p:sld xmlns:a="http://schemas.openxmlformats.org/drawingml/2006/main" xmlns:r="http://schemas.openxmlformats.org/officeDocument/2006/relationships" xmlns:p="http://schemas.openxmlformats.org/presentationml/2006/main">
   <p:cSld>
     <p:spTree>
@@ -3639,7 +3785,7 @@
 </p:sld>
 </file>
 
-<file path=ppt/slides/slide12.xml><?xml version="1.0" encoding="utf-8"?>
+<file path=ppt/slides/slide13.xml><?xml version="1.0" encoding="utf-8"?>
 <p:sld xmlns:a="http://schemas.openxmlformats.org/drawingml/2006/main" xmlns:r="http://schemas.openxmlformats.org/officeDocument/2006/relationships" xmlns:p="http://schemas.openxmlformats.org/presentationml/2006/main">
   <p:cSld>
     <p:spTree>
@@ -4245,113 +4391,326 @@
           <a:chExt cx="0" cy="0"/>
         </a:xfrm>
       </p:grpSpPr>
-      <p:pic>
-        <p:nvPicPr>
-          <p:cNvPr id="4" name="Content Placeholder 3">
-            <a:extLst>
-              <a:ext uri="{FF2B5EF4-FFF2-40B4-BE49-F238E27FC236}">
-                <a16:creationId xmlns:a16="http://schemas.microsoft.com/office/drawing/2014/main" id="{F8D1EDFA-F60A-52BE-AD4C-98A5BE44E5A9}"/>
-              </a:ext>
-            </a:extLst>
-          </p:cNvPr>
-          <p:cNvPicPr>
-            <a:picLocks noGrp="1" noChangeAspect="1"/>
-          </p:cNvPicPr>
+      <p:sp>
+        <p:nvSpPr>
+          <p:cNvPr id="2" name="Title 1">
+            <a:extLst>
+              <a:ext uri="{FF2B5EF4-FFF2-40B4-BE49-F238E27FC236}">
+                <a16:creationId xmlns:a16="http://schemas.microsoft.com/office/drawing/2014/main" id="{601C7C8C-A1CF-AD69-B801-C36991BD3084}"/>
+              </a:ext>
+            </a:extLst>
+          </p:cNvPr>
+          <p:cNvSpPr>
+            <a:spLocks noGrp="1"/>
+          </p:cNvSpPr>
+          <p:nvPr>
+            <p:ph type="title"/>
+          </p:nvPr>
+        </p:nvSpPr>
+        <p:spPr/>
+        <p:txBody>
+          <a:bodyPr/>
+          <a:lstStyle/>
+          <a:p>
+            <a:r>
+              <a:rPr lang="en-US" dirty="0"/>
+              <a:t>Preprocessing</a:t>
+            </a:r>
+          </a:p>
+        </p:txBody>
+      </p:sp>
+      <p:sp>
+        <p:nvSpPr>
+          <p:cNvPr id="3" name="Content Placeholder 2">
+            <a:extLst>
+              <a:ext uri="{FF2B5EF4-FFF2-40B4-BE49-F238E27FC236}">
+                <a16:creationId xmlns:a16="http://schemas.microsoft.com/office/drawing/2014/main" id="{94B2954C-2165-E501-F18C-8D8092046891}"/>
+              </a:ext>
+            </a:extLst>
+          </p:cNvPr>
+          <p:cNvSpPr>
+            <a:spLocks noGrp="1"/>
+          </p:cNvSpPr>
           <p:nvPr>
             <p:ph idx="1"/>
           </p:nvPr>
-        </p:nvPicPr>
-        <p:blipFill>
-          <a:blip r:embed="rId2"/>
-          <a:stretch>
-            <a:fillRect/>
-          </a:stretch>
-        </p:blipFill>
+        </p:nvSpPr>
         <p:spPr>
           <a:xfrm>
-            <a:off x="838200" y="1485560"/>
-            <a:ext cx="10515600" cy="3567792"/>
+            <a:off x="838200" y="1450848"/>
+            <a:ext cx="10515600" cy="5193792"/>
           </a:xfrm>
-          <a:prstGeom prst="rect">
-            <a:avLst/>
-          </a:prstGeom>
         </p:spPr>
-      </p:pic>
-      <p:sp>
-        <p:nvSpPr>
-          <p:cNvPr id="5" name="TextBox 4">
-            <a:extLst>
-              <a:ext uri="{FF2B5EF4-FFF2-40B4-BE49-F238E27FC236}">
-                <a16:creationId xmlns:a16="http://schemas.microsoft.com/office/drawing/2014/main" id="{7197FCE8-44F8-77CD-E8A2-964F5C05CD9B}"/>
-              </a:ext>
-            </a:extLst>
-          </p:cNvPr>
-          <p:cNvSpPr txBox="1"/>
-          <p:nvPr/>
-        </p:nvSpPr>
-        <p:spPr>
-          <a:xfrm>
-            <a:off x="1619250" y="534073"/>
-            <a:ext cx="9658350" cy="584775"/>
-          </a:xfrm>
-          <a:prstGeom prst="rect">
-            <a:avLst/>
-          </a:prstGeom>
-          <a:noFill/>
-        </p:spPr>
-        <p:txBody>
-          <a:bodyPr wrap="square" rtlCol="0">
-            <a:spAutoFit/>
+        <p:txBody>
+          <a:bodyPr>
+            <a:normAutofit fontScale="92500" lnSpcReduction="10000"/>
           </a:bodyPr>
           <a:lstStyle/>
           <a:p>
-            <a:pPr algn="ctr"/>
+            <a:pPr algn="just"/>
             <a:r>
               <a:rPr lang="en-US" sz="3200" dirty="0"/>
-              <a:t>Total number of times each people were contacted.</a:t>
-            </a:r>
-          </a:p>
-        </p:txBody>
-      </p:sp>
-      <p:sp>
-        <p:nvSpPr>
-          <p:cNvPr id="6" name="TextBox 5">
-            <a:extLst>
-              <a:ext uri="{FF2B5EF4-FFF2-40B4-BE49-F238E27FC236}">
-                <a16:creationId xmlns:a16="http://schemas.microsoft.com/office/drawing/2014/main" id="{5BFD8C1B-733E-D069-CB2C-27DAE5EBC65D}"/>
-              </a:ext>
-            </a:extLst>
-          </p:cNvPr>
-          <p:cNvSpPr txBox="1"/>
-          <p:nvPr/>
-        </p:nvSpPr>
-        <p:spPr>
-          <a:xfrm>
-            <a:off x="1243013" y="5557838"/>
-            <a:ext cx="9215437" cy="369332"/>
-          </a:xfrm>
-          <a:prstGeom prst="rect">
-            <a:avLst/>
-          </a:prstGeom>
-          <a:noFill/>
-        </p:spPr>
-        <p:txBody>
-          <a:bodyPr wrap="square" rtlCol="0">
-            <a:spAutoFit/>
-          </a:bodyPr>
-          <a:lstStyle/>
-          <a:p>
-            <a:r>
-              <a:rPr lang="en-US" dirty="0"/>
-              <a:t>Observation: Less chance of subscribing the data, if they are contacted once or not. </a:t>
-            </a:r>
+              <a:t>Drop the columns after analysis and performing few test and feature engineering the data </a:t>
+            </a:r>
+          </a:p>
+          <a:p>
+            <a:pPr marL="0" indent="0" algn="just">
+              <a:buNone/>
+            </a:pPr>
+            <a:r>
+              <a:rPr lang="en-US" sz="3200" i="0" dirty="0">
+                <a:solidFill>
+                  <a:srgbClr val="212121"/>
+                </a:solidFill>
+                <a:effectLst/>
+              </a:rPr>
+              <a:t> </a:t>
+            </a:r>
+            <a:r>
+              <a:rPr lang="en-US" sz="3200" i="0" dirty="0">
+                <a:solidFill>
+                  <a:srgbClr val="212121"/>
+                </a:solidFill>
+                <a:effectLst/>
+                <a:highlight>
+                  <a:srgbClr val="FFFF00"/>
+                </a:highlight>
+              </a:rPr>
+              <a:t>column Names : </a:t>
+            </a:r>
+            <a:r>
+              <a:rPr lang="en-US" sz="3200" i="0" dirty="0" err="1">
+                <a:solidFill>
+                  <a:srgbClr val="212121"/>
+                </a:solidFill>
+                <a:effectLst/>
+                <a:highlight>
+                  <a:srgbClr val="FFFF00"/>
+                </a:highlight>
+              </a:rPr>
+              <a:t>houseLoan</a:t>
+            </a:r>
+            <a:r>
+              <a:rPr lang="en-US" sz="3200" i="0" dirty="0">
+                <a:solidFill>
+                  <a:srgbClr val="212121"/>
+                </a:solidFill>
+                <a:effectLst/>
+                <a:highlight>
+                  <a:srgbClr val="FFFF00"/>
+                </a:highlight>
+              </a:rPr>
+              <a:t>', '</a:t>
+            </a:r>
+            <a:r>
+              <a:rPr lang="en-US" sz="3200" i="0" dirty="0" err="1">
+                <a:solidFill>
+                  <a:srgbClr val="212121"/>
+                </a:solidFill>
+                <a:effectLst/>
+                <a:highlight>
+                  <a:srgbClr val="FFFF00"/>
+                </a:highlight>
+              </a:rPr>
+              <a:t>personalLoan</a:t>
+            </a:r>
+            <a:r>
+              <a:rPr lang="en-US" sz="3200" i="0" dirty="0">
+                <a:solidFill>
+                  <a:srgbClr val="212121"/>
+                </a:solidFill>
+                <a:effectLst/>
+                <a:highlight>
+                  <a:srgbClr val="FFFF00"/>
+                </a:highlight>
+              </a:rPr>
+              <a:t>', '</a:t>
+            </a:r>
+            <a:r>
+              <a:rPr lang="en-US" sz="3200" i="0" dirty="0" err="1">
+                <a:solidFill>
+                  <a:srgbClr val="212121"/>
+                </a:solidFill>
+                <a:effectLst/>
+                <a:highlight>
+                  <a:srgbClr val="FFFF00"/>
+                </a:highlight>
+              </a:rPr>
+              <a:t>emp_var_rate</a:t>
+            </a:r>
+            <a:r>
+              <a:rPr lang="en-US" sz="3200" i="0" dirty="0">
+                <a:solidFill>
+                  <a:srgbClr val="212121"/>
+                </a:solidFill>
+                <a:effectLst/>
+                <a:highlight>
+                  <a:srgbClr val="FFFF00"/>
+                </a:highlight>
+              </a:rPr>
+              <a:t>', 'euribor3m’. </a:t>
+            </a:r>
+          </a:p>
+          <a:p>
+            <a:pPr marL="0" indent="0" algn="just">
+              <a:buNone/>
+            </a:pPr>
+            <a:endParaRPr lang="en-US" sz="3200" i="0" dirty="0">
+              <a:solidFill>
+                <a:srgbClr val="212121"/>
+              </a:solidFill>
+              <a:effectLst/>
+            </a:endParaRPr>
+          </a:p>
+          <a:p>
+            <a:pPr algn="just"/>
+            <a:r>
+              <a:rPr lang="en-US" sz="3200" dirty="0">
+                <a:solidFill>
+                  <a:srgbClr val="212121"/>
+                </a:solidFill>
+              </a:rPr>
+              <a:t>The Age Feature is converted into the age bars  as :</a:t>
+            </a:r>
+          </a:p>
+          <a:p>
+            <a:pPr marL="0" indent="0" algn="just">
+              <a:buNone/>
+            </a:pPr>
+            <a:r>
+              <a:rPr lang="en-US" sz="3200" dirty="0">
+                <a:solidFill>
+                  <a:srgbClr val="212121"/>
+                </a:solidFill>
+                <a:effectLst/>
+              </a:rPr>
+              <a:t>       [</a:t>
+            </a:r>
+            <a:r>
+              <a:rPr lang="en-US" sz="3200" dirty="0">
+                <a:solidFill>
+                  <a:srgbClr val="A31515"/>
+                </a:solidFill>
+                <a:effectLst/>
+              </a:rPr>
+              <a:t>'17-25'</a:t>
+            </a:r>
+            <a:r>
+              <a:rPr lang="en-US" sz="3200" dirty="0">
+                <a:solidFill>
+                  <a:srgbClr val="000000"/>
+                </a:solidFill>
+                <a:effectLst/>
+              </a:rPr>
+              <a:t>, </a:t>
+            </a:r>
+            <a:r>
+              <a:rPr lang="en-US" sz="3200" dirty="0">
+                <a:solidFill>
+                  <a:srgbClr val="A31515"/>
+                </a:solidFill>
+                <a:effectLst/>
+              </a:rPr>
+              <a:t>'26-35'</a:t>
+            </a:r>
+            <a:r>
+              <a:rPr lang="en-US" sz="3200" dirty="0">
+                <a:solidFill>
+                  <a:srgbClr val="000000"/>
+                </a:solidFill>
+                <a:effectLst/>
+              </a:rPr>
+              <a:t>, </a:t>
+            </a:r>
+            <a:r>
+              <a:rPr lang="en-US" sz="3200" dirty="0">
+                <a:solidFill>
+                  <a:srgbClr val="A31515"/>
+                </a:solidFill>
+                <a:effectLst/>
+              </a:rPr>
+              <a:t>'36-45'</a:t>
+            </a:r>
+            <a:r>
+              <a:rPr lang="en-US" sz="3200" dirty="0">
+                <a:solidFill>
+                  <a:srgbClr val="000000"/>
+                </a:solidFill>
+                <a:effectLst/>
+              </a:rPr>
+              <a:t>,</a:t>
+            </a:r>
+            <a:r>
+              <a:rPr lang="en-US" sz="3200" dirty="0">
+                <a:solidFill>
+                  <a:srgbClr val="A31515"/>
+                </a:solidFill>
+                <a:effectLst/>
+              </a:rPr>
+              <a:t>'46-60'</a:t>
+            </a:r>
+            <a:r>
+              <a:rPr lang="en-US" sz="3200" dirty="0">
+                <a:solidFill>
+                  <a:srgbClr val="000000"/>
+                </a:solidFill>
+                <a:effectLst/>
+              </a:rPr>
+              <a:t>,</a:t>
+            </a:r>
+            <a:r>
+              <a:rPr lang="en-US" sz="3200" dirty="0">
+                <a:solidFill>
+                  <a:srgbClr val="A31515"/>
+                </a:solidFill>
+                <a:effectLst/>
+              </a:rPr>
+              <a:t>'&gt;60’]</a:t>
+            </a:r>
+          </a:p>
+          <a:p>
+            <a:pPr marL="0" indent="0" algn="just">
+              <a:buNone/>
+            </a:pPr>
+            <a:r>
+              <a:rPr lang="en-US" sz="3200" dirty="0">
+                <a:solidFill>
+                  <a:srgbClr val="A31515"/>
+                </a:solidFill>
+              </a:rPr>
+              <a:t>  Applied WOE and IV technique to form age groups.</a:t>
+            </a:r>
+          </a:p>
+          <a:p>
+            <a:pPr marL="0" indent="0" algn="just">
+              <a:buNone/>
+            </a:pPr>
+            <a:endParaRPr lang="en-US" sz="3200" dirty="0">
+              <a:solidFill>
+                <a:srgbClr val="A31515"/>
+              </a:solidFill>
+              <a:effectLst/>
+            </a:endParaRPr>
+          </a:p>
+          <a:p>
+            <a:pPr algn="just"/>
+            <a:r>
+              <a:rPr lang="en-US" sz="3200" dirty="0"/>
+              <a:t>Performed one-hot encoding on the categorical values and label encoded the target variable values.</a:t>
+            </a:r>
+          </a:p>
+          <a:p>
+            <a:endParaRPr lang="en-US" dirty="0"/>
+          </a:p>
+          <a:p>
+            <a:endParaRPr lang="en-US" dirty="0"/>
           </a:p>
         </p:txBody>
       </p:sp>
     </p:spTree>
     <p:extLst>
       <p:ext uri="{BB962C8B-B14F-4D97-AF65-F5344CB8AC3E}">
-        <p14:creationId xmlns:p14="http://schemas.microsoft.com/office/powerpoint/2010/main" val="3991803500"/>
+        <p14:creationId xmlns:p14="http://schemas.microsoft.com/office/powerpoint/2010/main" val="2728988149"/>
       </p:ext>
     </p:extLst>
   </p:cSld>
@@ -4378,47 +4737,12 @@
           <a:chExt cx="0" cy="0"/>
         </a:xfrm>
       </p:grpSpPr>
-      <p:sp>
-        <p:nvSpPr>
-          <p:cNvPr id="2" name="Title 1">
-            <a:extLst>
-              <a:ext uri="{FF2B5EF4-FFF2-40B4-BE49-F238E27FC236}">
-                <a16:creationId xmlns:a16="http://schemas.microsoft.com/office/drawing/2014/main" id="{C2C2EB6E-10DB-A7DA-FA3F-D067BEEC6AFE}"/>
-              </a:ext>
-            </a:extLst>
-          </p:cNvPr>
-          <p:cNvSpPr>
-            <a:spLocks noGrp="1"/>
-          </p:cNvSpPr>
-          <p:nvPr>
-            <p:ph type="title"/>
-          </p:nvPr>
-        </p:nvSpPr>
-        <p:spPr>
-          <a:xfrm>
-            <a:off x="838200" y="365126"/>
-            <a:ext cx="10515600" cy="649288"/>
-          </a:xfrm>
-        </p:spPr>
-        <p:txBody>
-          <a:bodyPr>
-            <a:normAutofit fontScale="90000"/>
-          </a:bodyPr>
-          <a:lstStyle/>
-          <a:p>
-            <a:r>
-              <a:rPr lang="en-US" dirty="0"/>
-              <a:t> Clients contacted in the previous campaign</a:t>
-            </a:r>
-          </a:p>
-        </p:txBody>
-      </p:sp>
       <p:pic>
         <p:nvPicPr>
           <p:cNvPr id="4" name="Content Placeholder 3">
             <a:extLst>
               <a:ext uri="{FF2B5EF4-FFF2-40B4-BE49-F238E27FC236}">
-                <a16:creationId xmlns:a16="http://schemas.microsoft.com/office/drawing/2014/main" id="{F2617F0E-4B83-FC8D-2F1E-44FD91C06CD6}"/>
+                <a16:creationId xmlns:a16="http://schemas.microsoft.com/office/drawing/2014/main" id="{F8D1EDFA-F60A-52BE-AD4C-98A5BE44E5A9}"/>
               </a:ext>
             </a:extLst>
           </p:cNvPr>
@@ -4437,8 +4761,8 @@
         </p:blipFill>
         <p:spPr>
           <a:xfrm>
-            <a:off x="1051379" y="1253331"/>
-            <a:ext cx="10089242" cy="4351338"/>
+            <a:off x="838200" y="1485560"/>
+            <a:ext cx="10515600" cy="3567792"/>
           </a:xfrm>
           <a:prstGeom prst="rect">
             <a:avLst/>
@@ -4450,7 +4774,7 @@
           <p:cNvPr id="5" name="TextBox 4">
             <a:extLst>
               <a:ext uri="{FF2B5EF4-FFF2-40B4-BE49-F238E27FC236}">
-                <a16:creationId xmlns:a16="http://schemas.microsoft.com/office/drawing/2014/main" id="{200AE4C9-63EB-7089-4856-4075330262BC}"/>
+                <a16:creationId xmlns:a16="http://schemas.microsoft.com/office/drawing/2014/main" id="{7197FCE8-44F8-77CD-E8A2-964F5C05CD9B}"/>
               </a:ext>
             </a:extLst>
           </p:cNvPr>
@@ -4459,8 +4783,8 @@
         </p:nvSpPr>
         <p:spPr>
           <a:xfrm>
-            <a:off x="655422" y="5843586"/>
-            <a:ext cx="10698378" cy="646331"/>
+            <a:off x="1619250" y="534073"/>
+            <a:ext cx="9658350" cy="584775"/>
           </a:xfrm>
           <a:prstGeom prst="rect">
             <a:avLst/>
@@ -4468,20 +4792,50 @@
           <a:noFill/>
         </p:spPr>
         <p:txBody>
-          <a:bodyPr wrap="none" rtlCol="0">
+          <a:bodyPr wrap="square" rtlCol="0">
             <a:spAutoFit/>
           </a:bodyPr>
           <a:lstStyle/>
           <a:p>
+            <a:pPr algn="ctr"/>
+            <a:r>
+              <a:rPr lang="en-US" sz="3200" dirty="0"/>
+              <a:t>Total number of times each people were contacted.</a:t>
+            </a:r>
+          </a:p>
+        </p:txBody>
+      </p:sp>
+      <p:sp>
+        <p:nvSpPr>
+          <p:cNvPr id="6" name="TextBox 5">
+            <a:extLst>
+              <a:ext uri="{FF2B5EF4-FFF2-40B4-BE49-F238E27FC236}">
+                <a16:creationId xmlns:a16="http://schemas.microsoft.com/office/drawing/2014/main" id="{5BFD8C1B-733E-D069-CB2C-27DAE5EBC65D}"/>
+              </a:ext>
+            </a:extLst>
+          </p:cNvPr>
+          <p:cNvSpPr txBox="1"/>
+          <p:nvPr/>
+        </p:nvSpPr>
+        <p:spPr>
+          <a:xfrm>
+            <a:off x="1243013" y="5557838"/>
+            <a:ext cx="9215437" cy="369332"/>
+          </a:xfrm>
+          <a:prstGeom prst="rect">
+            <a:avLst/>
+          </a:prstGeom>
+          <a:noFill/>
+        </p:spPr>
+        <p:txBody>
+          <a:bodyPr wrap="square" rtlCol="0">
+            <a:spAutoFit/>
+          </a:bodyPr>
+          <a:lstStyle/>
+          <a:p>
             <a:r>
               <a:rPr lang="en-US" dirty="0"/>
-              <a:t>Observation : Client who were contacted in previous campaign and in the current campaign has more chance of </a:t>
-            </a:r>
-          </a:p>
-          <a:p>
-            <a:r>
-              <a:rPr lang="en-US" dirty="0"/>
-              <a:t>enrolling subscription.</a:t>
+              <a:t>Observation: Less chance of subscribing the data, if they are contacted once or not. </a:t>
             </a:r>
           </a:p>
         </p:txBody>
@@ -4489,7 +4843,7 @@
     </p:spTree>
     <p:extLst>
       <p:ext uri="{BB962C8B-B14F-4D97-AF65-F5344CB8AC3E}">
-        <p14:creationId xmlns:p14="http://schemas.microsoft.com/office/powerpoint/2010/main" val="1381545769"/>
+        <p14:creationId xmlns:p14="http://schemas.microsoft.com/office/powerpoint/2010/main" val="3991803500"/>
       </p:ext>
     </p:extLst>
   </p:cSld>
@@ -4521,7 +4875,7 @@
           <p:cNvPr id="2" name="Title 1">
             <a:extLst>
               <a:ext uri="{FF2B5EF4-FFF2-40B4-BE49-F238E27FC236}">
-                <a16:creationId xmlns:a16="http://schemas.microsoft.com/office/drawing/2014/main" id="{0428584A-FBC4-DB70-8EB1-49F18CF2C32C}"/>
+                <a16:creationId xmlns:a16="http://schemas.microsoft.com/office/drawing/2014/main" id="{C2C2EB6E-10DB-A7DA-FA3F-D067BEEC6AFE}"/>
               </a:ext>
             </a:extLst>
           </p:cNvPr>
@@ -4532,14 +4886,21 @@
             <p:ph type="title"/>
           </p:nvPr>
         </p:nvSpPr>
-        <p:spPr/>
-        <p:txBody>
-          <a:bodyPr/>
+        <p:spPr>
+          <a:xfrm>
+            <a:off x="838200" y="365126"/>
+            <a:ext cx="10515600" cy="649288"/>
+          </a:xfrm>
+        </p:spPr>
+        <p:txBody>
+          <a:bodyPr>
+            <a:normAutofit fontScale="90000"/>
+          </a:bodyPr>
           <a:lstStyle/>
           <a:p>
             <a:r>
               <a:rPr lang="en-US" dirty="0"/>
-              <a:t>Impact of campaign marketing different ages</a:t>
+              <a:t> Clients contacted in the previous campaign</a:t>
             </a:r>
           </a:p>
         </p:txBody>
@@ -4549,7 +4910,7 @@
           <p:cNvPr id="4" name="Content Placeholder 3">
             <a:extLst>
               <a:ext uri="{FF2B5EF4-FFF2-40B4-BE49-F238E27FC236}">
-                <a16:creationId xmlns:a16="http://schemas.microsoft.com/office/drawing/2014/main" id="{86747C1E-F97E-BF4B-9522-CCF29529A3A4}"/>
+                <a16:creationId xmlns:a16="http://schemas.microsoft.com/office/drawing/2014/main" id="{F2617F0E-4B83-FC8D-2F1E-44FD91C06CD6}"/>
               </a:ext>
             </a:extLst>
           </p:cNvPr>
@@ -4568,8 +4929,8 @@
         </p:blipFill>
         <p:spPr>
           <a:xfrm>
-            <a:off x="1081088" y="1537312"/>
-            <a:ext cx="10515600" cy="4327888"/>
+            <a:off x="1051379" y="1253331"/>
+            <a:ext cx="10089242" cy="4351338"/>
           </a:xfrm>
           <a:prstGeom prst="rect">
             <a:avLst/>
@@ -4581,7 +4942,7 @@
           <p:cNvPr id="5" name="TextBox 4">
             <a:extLst>
               <a:ext uri="{FF2B5EF4-FFF2-40B4-BE49-F238E27FC236}">
-                <a16:creationId xmlns:a16="http://schemas.microsoft.com/office/drawing/2014/main" id="{02197D80-C607-1B71-3704-B24F4314FB2D}"/>
+                <a16:creationId xmlns:a16="http://schemas.microsoft.com/office/drawing/2014/main" id="{200AE4C9-63EB-7089-4856-4075330262BC}"/>
               </a:ext>
             </a:extLst>
           </p:cNvPr>
@@ -4590,8 +4951,8 @@
         </p:nvSpPr>
         <p:spPr>
           <a:xfrm>
-            <a:off x="1757363" y="6129338"/>
-            <a:ext cx="6837898" cy="369332"/>
+            <a:off x="655422" y="5843586"/>
+            <a:ext cx="10698378" cy="646331"/>
           </a:xfrm>
           <a:prstGeom prst="rect">
             <a:avLst/>
@@ -4606,7 +4967,13 @@
           <a:p>
             <a:r>
               <a:rPr lang="en-US" dirty="0"/>
-              <a:t>Observations: Elder people are more interested than adult in the adult </a:t>
+              <a:t>Observation : Client who were contacted in previous campaign and in the current campaign has more chance of </a:t>
+            </a:r>
+          </a:p>
+          <a:p>
+            <a:r>
+              <a:rPr lang="en-US" dirty="0"/>
+              <a:t>enrolling subscription.</a:t>
             </a:r>
           </a:p>
         </p:txBody>
@@ -4614,7 +4981,7 @@
     </p:spTree>
     <p:extLst>
       <p:ext uri="{BB962C8B-B14F-4D97-AF65-F5344CB8AC3E}">
-        <p14:creationId xmlns:p14="http://schemas.microsoft.com/office/powerpoint/2010/main" val="833633561"/>
+        <p14:creationId xmlns:p14="http://schemas.microsoft.com/office/powerpoint/2010/main" val="1381545769"/>
       </p:ext>
     </p:extLst>
   </p:cSld>
@@ -4646,7 +5013,7 @@
           <p:cNvPr id="2" name="Title 1">
             <a:extLst>
               <a:ext uri="{FF2B5EF4-FFF2-40B4-BE49-F238E27FC236}">
-                <a16:creationId xmlns:a16="http://schemas.microsoft.com/office/drawing/2014/main" id="{CA406B38-68AD-C5CD-CB72-55AB90B0E344}"/>
+                <a16:creationId xmlns:a16="http://schemas.microsoft.com/office/drawing/2014/main" id="{0428584A-FBC4-DB70-8EB1-49F18CF2C32C}"/>
               </a:ext>
             </a:extLst>
           </p:cNvPr>
@@ -4657,51 +5024,33 @@
             <p:ph type="title"/>
           </p:nvPr>
         </p:nvSpPr>
-        <p:spPr>
-          <a:xfrm>
-            <a:off x="652463" y="5051425"/>
-            <a:ext cx="10515600" cy="1325563"/>
-          </a:xfrm>
-        </p:spPr>
-        <p:txBody>
-          <a:bodyPr>
-            <a:normAutofit/>
-          </a:bodyPr>
-          <a:lstStyle/>
-          <a:p>
-            <a:r>
-              <a:rPr lang="en-US" sz="2400" dirty="0">
-                <a:latin typeface="+mn-lt"/>
-              </a:rPr>
-              <a:t>Observations:  Here, ‘yes’ is blue colored bar  and ‘no’ is orange colored bar.</a:t>
-            </a:r>
-            <a:br>
-              <a:rPr lang="en-US" sz="2400" dirty="0">
-                <a:latin typeface="+mn-lt"/>
-              </a:rPr>
-            </a:br>
-            <a:r>
-              <a:rPr lang="en-US" sz="2400" dirty="0">
-                <a:latin typeface="+mn-lt"/>
-              </a:rPr>
-              <a:t>From the plot, Educated people are more interested in the subscription compared to illiterate people.</a:t>
+        <p:spPr/>
+        <p:txBody>
+          <a:bodyPr/>
+          <a:lstStyle/>
+          <a:p>
+            <a:r>
+              <a:rPr lang="en-US" dirty="0"/>
+              <a:t>Impact of campaign marketing different ages</a:t>
             </a:r>
           </a:p>
         </p:txBody>
       </p:sp>
       <p:pic>
         <p:nvPicPr>
-          <p:cNvPr id="7" name="Picture 6">
-            <a:extLst>
-              <a:ext uri="{FF2B5EF4-FFF2-40B4-BE49-F238E27FC236}">
-                <a16:creationId xmlns:a16="http://schemas.microsoft.com/office/drawing/2014/main" id="{00B4EF3F-85BE-AF7D-3B93-1E6A1F3292F8}"/>
+          <p:cNvPr id="4" name="Content Placeholder 3">
+            <a:extLst>
+              <a:ext uri="{FF2B5EF4-FFF2-40B4-BE49-F238E27FC236}">
+                <a16:creationId xmlns:a16="http://schemas.microsoft.com/office/drawing/2014/main" id="{86747C1E-F97E-BF4B-9522-CCF29529A3A4}"/>
               </a:ext>
             </a:extLst>
           </p:cNvPr>
           <p:cNvPicPr>
-            <a:picLocks noChangeAspect="1"/>
+            <a:picLocks noGrp="1" noChangeAspect="1"/>
           </p:cNvPicPr>
-          <p:nvPr/>
+          <p:nvPr>
+            <p:ph idx="1"/>
+          </p:nvPr>
         </p:nvPicPr>
         <p:blipFill>
           <a:blip r:embed="rId2"/>
@@ -4711,18 +5060,53 @@
         </p:blipFill>
         <p:spPr>
           <a:xfrm>
-            <a:off x="427158" y="681037"/>
-            <a:ext cx="11337683" cy="4351338"/>
+            <a:off x="1081088" y="1537312"/>
+            <a:ext cx="10515600" cy="4327888"/>
           </a:xfrm>
           <a:prstGeom prst="rect">
             <a:avLst/>
           </a:prstGeom>
         </p:spPr>
       </p:pic>
+      <p:sp>
+        <p:nvSpPr>
+          <p:cNvPr id="5" name="TextBox 4">
+            <a:extLst>
+              <a:ext uri="{FF2B5EF4-FFF2-40B4-BE49-F238E27FC236}">
+                <a16:creationId xmlns:a16="http://schemas.microsoft.com/office/drawing/2014/main" id="{02197D80-C607-1B71-3704-B24F4314FB2D}"/>
+              </a:ext>
+            </a:extLst>
+          </p:cNvPr>
+          <p:cNvSpPr txBox="1"/>
+          <p:nvPr/>
+        </p:nvSpPr>
+        <p:spPr>
+          <a:xfrm>
+            <a:off x="228600" y="6129338"/>
+            <a:ext cx="11963399" cy="369332"/>
+          </a:xfrm>
+          <a:prstGeom prst="rect">
+            <a:avLst/>
+          </a:prstGeom>
+          <a:noFill/>
+        </p:spPr>
+        <p:txBody>
+          <a:bodyPr wrap="square" rtlCol="0">
+            <a:spAutoFit/>
+          </a:bodyPr>
+          <a:lstStyle/>
+          <a:p>
+            <a:r>
+              <a:rPr lang="en-US" dirty="0"/>
+              <a:t>Observations: Elder people are more interested than adult in the adult  (To get overall view avoiding different age groups)</a:t>
+            </a:r>
+          </a:p>
+        </p:txBody>
+      </p:sp>
     </p:spTree>
     <p:extLst>
       <p:ext uri="{BB962C8B-B14F-4D97-AF65-F5344CB8AC3E}">
-        <p14:creationId xmlns:p14="http://schemas.microsoft.com/office/powerpoint/2010/main" val="1567345187"/>
+        <p14:creationId xmlns:p14="http://schemas.microsoft.com/office/powerpoint/2010/main" val="833633561"/>
       </p:ext>
     </p:extLst>
   </p:cSld>
@@ -4754,7 +5138,7 @@
           <p:cNvPr id="2" name="Title 1">
             <a:extLst>
               <a:ext uri="{FF2B5EF4-FFF2-40B4-BE49-F238E27FC236}">
-                <a16:creationId xmlns:a16="http://schemas.microsoft.com/office/drawing/2014/main" id="{C3BD0294-2555-D920-3025-9536AB030786}"/>
+                <a16:creationId xmlns:a16="http://schemas.microsoft.com/office/drawing/2014/main" id="{CA406B38-68AD-C5CD-CB72-55AB90B0E344}"/>
               </a:ext>
             </a:extLst>
           </p:cNvPr>
@@ -4767,8 +5151,8 @@
         </p:nvSpPr>
         <p:spPr>
           <a:xfrm>
-            <a:off x="838200" y="5037138"/>
-            <a:ext cx="10515600" cy="992188"/>
+            <a:off x="652463" y="5051425"/>
+            <a:ext cx="10515600" cy="1325563"/>
           </a:xfrm>
         </p:spPr>
         <p:txBody>
@@ -4781,7 +5165,7 @@
               <a:rPr lang="en-US" sz="2400" dirty="0">
                 <a:latin typeface="+mn-lt"/>
               </a:rPr>
-              <a:t>Observations: Married people are more influenced and eager to subscribe.</a:t>
+              <a:t>Observations:  Here, ‘yes’ is blue colored bar  and ‘no’ is orange colored bar.</a:t>
             </a:r>
             <a:br>
               <a:rPr lang="en-US" sz="2400" dirty="0">
@@ -4792,26 +5176,24 @@
               <a:rPr lang="en-US" sz="2400" dirty="0">
                 <a:latin typeface="+mn-lt"/>
               </a:rPr>
-              <a:t>Here, Unknown is less relevant. Hence, we can ignore it.</a:t>
+              <a:t>From the plot, Educated people are more interested in the subscription compared to illiterate people.</a:t>
             </a:r>
           </a:p>
         </p:txBody>
       </p:sp>
       <p:pic>
         <p:nvPicPr>
-          <p:cNvPr id="7" name="Content Placeholder 6">
-            <a:extLst>
-              <a:ext uri="{FF2B5EF4-FFF2-40B4-BE49-F238E27FC236}">
-                <a16:creationId xmlns:a16="http://schemas.microsoft.com/office/drawing/2014/main" id="{5B230241-884F-4E3B-0571-595ED4A9BED2}"/>
+          <p:cNvPr id="7" name="Picture 6">
+            <a:extLst>
+              <a:ext uri="{FF2B5EF4-FFF2-40B4-BE49-F238E27FC236}">
+                <a16:creationId xmlns:a16="http://schemas.microsoft.com/office/drawing/2014/main" id="{00B4EF3F-85BE-AF7D-3B93-1E6A1F3292F8}"/>
               </a:ext>
             </a:extLst>
           </p:cNvPr>
           <p:cNvPicPr>
-            <a:picLocks noGrp="1" noChangeAspect="1"/>
+            <a:picLocks noChangeAspect="1"/>
           </p:cNvPicPr>
-          <p:nvPr>
-            <p:ph idx="1"/>
-          </p:nvPr>
+          <p:nvPr/>
         </p:nvPicPr>
         <p:blipFill>
           <a:blip r:embed="rId2"/>
@@ -4821,53 +5203,18 @@
         </p:blipFill>
         <p:spPr>
           <a:xfrm>
-            <a:off x="566738" y="1384596"/>
-            <a:ext cx="10515600" cy="3652542"/>
+            <a:off x="427158" y="681037"/>
+            <a:ext cx="11337683" cy="4351338"/>
           </a:xfrm>
           <a:prstGeom prst="rect">
             <a:avLst/>
           </a:prstGeom>
         </p:spPr>
       </p:pic>
-      <p:sp>
-        <p:nvSpPr>
-          <p:cNvPr id="9" name="TextBox 8">
-            <a:extLst>
-              <a:ext uri="{FF2B5EF4-FFF2-40B4-BE49-F238E27FC236}">
-                <a16:creationId xmlns:a16="http://schemas.microsoft.com/office/drawing/2014/main" id="{63A4B925-F8BC-C047-AFD9-39CA7CEC55BC}"/>
-              </a:ext>
-            </a:extLst>
-          </p:cNvPr>
-          <p:cNvSpPr txBox="1"/>
-          <p:nvPr/>
-        </p:nvSpPr>
-        <p:spPr>
-          <a:xfrm>
-            <a:off x="2741290" y="392408"/>
-            <a:ext cx="6166496" cy="584775"/>
-          </a:xfrm>
-          <a:prstGeom prst="rect">
-            <a:avLst/>
-          </a:prstGeom>
-          <a:noFill/>
-        </p:spPr>
-        <p:txBody>
-          <a:bodyPr wrap="none" rtlCol="0">
-            <a:spAutoFit/>
-          </a:bodyPr>
-          <a:lstStyle/>
-          <a:p>
-            <a:r>
-              <a:rPr lang="en-US" sz="3200" dirty="0"/>
-              <a:t>Distribution based on Marital status</a:t>
-            </a:r>
-          </a:p>
-        </p:txBody>
-      </p:sp>
     </p:spTree>
     <p:extLst>
       <p:ext uri="{BB962C8B-B14F-4D97-AF65-F5344CB8AC3E}">
-        <p14:creationId xmlns:p14="http://schemas.microsoft.com/office/powerpoint/2010/main" val="2303095266"/>
+        <p14:creationId xmlns:p14="http://schemas.microsoft.com/office/powerpoint/2010/main" val="1567345187"/>
       </p:ext>
     </p:extLst>
   </p:cSld>
